--- a/_static/images/Third_Party_Connectors/microstrategy/MicroStrategy.pptx
+++ b/_static/images/Third_Party_Connectors/microstrategy/MicroStrategy.pptx
@@ -21,6 +21,7 @@
     <p:sldId id="260" r:id="rId15"/>
     <p:sldId id="259" r:id="rId16"/>
     <p:sldId id="258" r:id="rId17"/>
+    <p:sldId id="273" r:id="rId18"/>
   </p:sldIdLst>
   <p:sldSz cx="12192000" cy="6858000"/>
   <p:notesSz cx="6858000" cy="9144000"/>
@@ -274,7 +275,7 @@
           <a:p>
             <a:fld id="{F582585A-B7E8-4A94-B0DD-675A94DF6363}" type="datetimeFigureOut">
               <a:rPr lang="en-US" smtClean="0"/>
-              <a:t>8/2/2021</a:t>
+              <a:t>8/3/2021</a:t>
             </a:fld>
             <a:endParaRPr lang="en-US"/>
           </a:p>
@@ -472,7 +473,7 @@
           <a:p>
             <a:fld id="{F582585A-B7E8-4A94-B0DD-675A94DF6363}" type="datetimeFigureOut">
               <a:rPr lang="en-US" smtClean="0"/>
-              <a:t>8/2/2021</a:t>
+              <a:t>8/3/2021</a:t>
             </a:fld>
             <a:endParaRPr lang="en-US"/>
           </a:p>
@@ -680,7 +681,7 @@
           <a:p>
             <a:fld id="{F582585A-B7E8-4A94-B0DD-675A94DF6363}" type="datetimeFigureOut">
               <a:rPr lang="en-US" smtClean="0"/>
-              <a:t>8/2/2021</a:t>
+              <a:t>8/3/2021</a:t>
             </a:fld>
             <a:endParaRPr lang="en-US"/>
           </a:p>
@@ -878,7 +879,7 @@
           <a:p>
             <a:fld id="{F582585A-B7E8-4A94-B0DD-675A94DF6363}" type="datetimeFigureOut">
               <a:rPr lang="en-US" smtClean="0"/>
-              <a:t>8/2/2021</a:t>
+              <a:t>8/3/2021</a:t>
             </a:fld>
             <a:endParaRPr lang="en-US"/>
           </a:p>
@@ -1153,7 +1154,7 @@
           <a:p>
             <a:fld id="{F582585A-B7E8-4A94-B0DD-675A94DF6363}" type="datetimeFigureOut">
               <a:rPr lang="en-US" smtClean="0"/>
-              <a:t>8/2/2021</a:t>
+              <a:t>8/3/2021</a:t>
             </a:fld>
             <a:endParaRPr lang="en-US"/>
           </a:p>
@@ -1418,7 +1419,7 @@
           <a:p>
             <a:fld id="{F582585A-B7E8-4A94-B0DD-675A94DF6363}" type="datetimeFigureOut">
               <a:rPr lang="en-US" smtClean="0"/>
-              <a:t>8/2/2021</a:t>
+              <a:t>8/3/2021</a:t>
             </a:fld>
             <a:endParaRPr lang="en-US"/>
           </a:p>
@@ -1830,7 +1831,7 @@
           <a:p>
             <a:fld id="{F582585A-B7E8-4A94-B0DD-675A94DF6363}" type="datetimeFigureOut">
               <a:rPr lang="en-US" smtClean="0"/>
-              <a:t>8/2/2021</a:t>
+              <a:t>8/3/2021</a:t>
             </a:fld>
             <a:endParaRPr lang="en-US"/>
           </a:p>
@@ -1971,7 +1972,7 @@
           <a:p>
             <a:fld id="{F582585A-B7E8-4A94-B0DD-675A94DF6363}" type="datetimeFigureOut">
               <a:rPr lang="en-US" smtClean="0"/>
-              <a:t>8/2/2021</a:t>
+              <a:t>8/3/2021</a:t>
             </a:fld>
             <a:endParaRPr lang="en-US"/>
           </a:p>
@@ -2084,7 +2085,7 @@
           <a:p>
             <a:fld id="{F582585A-B7E8-4A94-B0DD-675A94DF6363}" type="datetimeFigureOut">
               <a:rPr lang="en-US" smtClean="0"/>
-              <a:t>8/2/2021</a:t>
+              <a:t>8/3/2021</a:t>
             </a:fld>
             <a:endParaRPr lang="en-US"/>
           </a:p>
@@ -2395,7 +2396,7 @@
           <a:p>
             <a:fld id="{F582585A-B7E8-4A94-B0DD-675A94DF6363}" type="datetimeFigureOut">
               <a:rPr lang="en-US" smtClean="0"/>
-              <a:t>8/2/2021</a:t>
+              <a:t>8/3/2021</a:t>
             </a:fld>
             <a:endParaRPr lang="en-US"/>
           </a:p>
@@ -2683,7 +2684,7 @@
           <a:p>
             <a:fld id="{F582585A-B7E8-4A94-B0DD-675A94DF6363}" type="datetimeFigureOut">
               <a:rPr lang="en-US" smtClean="0"/>
-              <a:t>8/2/2021</a:t>
+              <a:t>8/3/2021</a:t>
             </a:fld>
             <a:endParaRPr lang="en-US"/>
           </a:p>
@@ -2924,7 +2925,7 @@
           <a:p>
             <a:fld id="{F582585A-B7E8-4A94-B0DD-675A94DF6363}" type="datetimeFigureOut">
               <a:rPr lang="en-US" smtClean="0"/>
-              <a:t>8/2/2021</a:t>
+              <a:t>8/3/2021</a:t>
             </a:fld>
             <a:endParaRPr lang="en-US"/>
           </a:p>
@@ -3963,6 +3964,71 @@
 </p:sld>
 </file>
 
+<file path=ppt/slides/slide17.xml><?xml version="1.0" encoding="utf-8"?>
+<p:sld xmlns:a="http://schemas.openxmlformats.org/drawingml/2006/main" xmlns:r="http://schemas.openxmlformats.org/officeDocument/2006/relationships" xmlns:p="http://schemas.openxmlformats.org/presentationml/2006/main">
+  <p:cSld>
+    <p:spTree>
+      <p:nvGrpSpPr>
+        <p:cNvPr id="1" name=""/>
+        <p:cNvGrpSpPr/>
+        <p:nvPr/>
+      </p:nvGrpSpPr>
+      <p:grpSpPr>
+        <a:xfrm>
+          <a:off x="0" y="0"/>
+          <a:ext cx="0" cy="0"/>
+          <a:chOff x="0" y="0"/>
+          <a:chExt cx="0" cy="0"/>
+        </a:xfrm>
+      </p:grpSpPr>
+      <p:pic>
+        <p:nvPicPr>
+          <p:cNvPr id="6" name="Picture 5" descr="Graphical user interface, application&#10;&#10;Description automatically generated">
+            <a:extLst>
+              <a:ext uri="{FF2B5EF4-FFF2-40B4-BE49-F238E27FC236}">
+                <a16:creationId xmlns:a16="http://schemas.microsoft.com/office/drawing/2014/main" id="{B944FEA3-8B09-4D18-97FB-5F755C706397}"/>
+              </a:ext>
+            </a:extLst>
+          </p:cNvPr>
+          <p:cNvPicPr>
+            <a:picLocks noChangeAspect="1"/>
+          </p:cNvPicPr>
+          <p:nvPr/>
+        </p:nvPicPr>
+        <p:blipFill>
+          <a:blip r:embed="rId2"/>
+          <a:stretch>
+            <a:fillRect/>
+          </a:stretch>
+        </p:blipFill>
+        <p:spPr>
+          <a:xfrm>
+            <a:off x="995362" y="1928812"/>
+            <a:ext cx="10201275" cy="3000375"/>
+          </a:xfrm>
+          <a:prstGeom prst="rect">
+            <a:avLst/>
+          </a:prstGeom>
+          <a:ln>
+            <a:solidFill>
+              <a:schemeClr val="tx1"/>
+            </a:solidFill>
+          </a:ln>
+        </p:spPr>
+      </p:pic>
+    </p:spTree>
+    <p:extLst>
+      <p:ext uri="{BB962C8B-B14F-4D97-AF65-F5344CB8AC3E}">
+        <p14:creationId xmlns:p14="http://schemas.microsoft.com/office/powerpoint/2010/main" val="2559437580"/>
+      </p:ext>
+    </p:extLst>
+  </p:cSld>
+  <p:clrMapOvr>
+    <a:masterClrMapping/>
+  </p:clrMapOvr>
+</p:sld>
+</file>
+
 <file path=ppt/slides/slide2.xml><?xml version="1.0" encoding="utf-8"?>
 <p:sld xmlns:a="http://schemas.openxmlformats.org/drawingml/2006/main" xmlns:r="http://schemas.openxmlformats.org/officeDocument/2006/relationships" xmlns:p="http://schemas.openxmlformats.org/presentationml/2006/main">
   <p:cSld>
